--- a/lesson04.pptx
+++ b/lesson04.pptx
@@ -171,16 +171,32 @@
 </p:cmAuthorLst>
 </file>
 
-<file path=ppt/revisionInfo.xml><?xml version="1.0" encoding="utf-8"?>
-<p1510:revInfo xmlns:a="http://schemas.openxmlformats.org/drawingml/2006/main" xmlns:r="http://schemas.openxmlformats.org/officeDocument/2006/relationships" xmlns:p1510="http://schemas.microsoft.com/office/powerpoint/2015/10/main">
-  <p1510:revLst>
-    <p1510:client id="{022C24D0-0C30-4AC4-ABBB-A1DAFD6AB4B8}" v="2" dt="2021-02-23T08:21:43.104"/>
-  </p1510:revLst>
-</p1510:revInfo>
-</file>
-
 <file path=ppt/changesInfos/changesInfo1.xml><?xml version="1.0" encoding="utf-8"?>
 <pc:chgInfo xmlns:a="http://schemas.openxmlformats.org/drawingml/2006/main" xmlns:r="http://schemas.openxmlformats.org/officeDocument/2006/relationships" xmlns:ac="http://schemas.microsoft.com/office/drawing/2013/main/command" xmlns:pc="http://schemas.microsoft.com/office/powerpoint/2013/main/command">
+  <pc:docChgLst>
+    <pc:chgData name="Anatoliy Kigel" userId="7432c6c4687b0a9c" providerId="LiveId" clId="{B4710394-BEAA-4A88-ACCA-5534825ABB48}"/>
+    <pc:docChg chg="modSld">
+      <pc:chgData name="Anatoliy Kigel" userId="7432c6c4687b0a9c" providerId="LiveId" clId="{B4710394-BEAA-4A88-ACCA-5534825ABB48}" dt="2021-03-01T20:43:22.754" v="6" actId="1036"/>
+      <pc:docMkLst>
+        <pc:docMk/>
+      </pc:docMkLst>
+      <pc:sldChg chg="modSp mod">
+        <pc:chgData name="Anatoliy Kigel" userId="7432c6c4687b0a9c" providerId="LiveId" clId="{B4710394-BEAA-4A88-ACCA-5534825ABB48}" dt="2021-03-01T20:43:22.754" v="6" actId="1036"/>
+        <pc:sldMkLst>
+          <pc:docMk/>
+          <pc:sldMk cId="3747052252" sldId="447"/>
+        </pc:sldMkLst>
+        <pc:spChg chg="mod">
+          <ac:chgData name="Anatoliy Kigel" userId="7432c6c4687b0a9c" providerId="LiveId" clId="{B4710394-BEAA-4A88-ACCA-5534825ABB48}" dt="2021-03-01T20:43:22.754" v="6" actId="1036"/>
+          <ac:spMkLst>
+            <pc:docMk/>
+            <pc:sldMk cId="3747052252" sldId="447"/>
+            <ac:spMk id="3" creationId="{00000000-0000-0000-0000-000000000000}"/>
+          </ac:spMkLst>
+        </pc:spChg>
+      </pc:sldChg>
+    </pc:docChg>
+  </pc:docChgLst>
   <pc:docChgLst>
     <pc:chgData name="Anatoliy Kigel" userId="7432c6c4687b0a9c" providerId="LiveId" clId="{022C24D0-0C30-4AC4-ABBB-A1DAFD6AB4B8}"/>
     <pc:docChg chg="addSld delSld modSld">
@@ -313,7 +329,7 @@
             <a:fld id="{85522811-C5C6-42D2-A409-F8556720C93F}" type="datetimeFigureOut">
               <a:rPr lang="uk-UA" smtClean="0"/>
               <a:pPr/>
-              <a:t>23.02.2021</a:t>
+              <a:t>01.03.2021</a:t>
             </a:fld>
             <a:endParaRPr lang="uk-UA"/>
           </a:p>
@@ -853,7 +869,7 @@
             <a:fld id="{E6FC6B0D-6115-4D7C-8040-9C8E2349BB6E}" type="datetime1">
               <a:rPr lang="uk-UA" smtClean="0"/>
               <a:pPr/>
-              <a:t>23.02.2021</a:t>
+              <a:t>01.03.2021</a:t>
             </a:fld>
             <a:endParaRPr lang="uk-UA"/>
           </a:p>
@@ -1020,7 +1036,7 @@
             <a:fld id="{996367BA-0A39-4DE2-BFC3-D5290044365E}" type="datetime1">
               <a:rPr lang="uk-UA" smtClean="0"/>
               <a:pPr/>
-              <a:t>23.02.2021</a:t>
+              <a:t>01.03.2021</a:t>
             </a:fld>
             <a:endParaRPr lang="uk-UA"/>
           </a:p>
@@ -1197,7 +1213,7 @@
             <a:fld id="{1BD6A67F-6C29-47DC-AF8A-FDB3C787DF70}" type="datetime1">
               <a:rPr lang="uk-UA" smtClean="0"/>
               <a:pPr/>
-              <a:t>23.02.2021</a:t>
+              <a:t>01.03.2021</a:t>
             </a:fld>
             <a:endParaRPr lang="uk-UA"/>
           </a:p>
@@ -1364,7 +1380,7 @@
             <a:fld id="{1657D9C5-7FF1-434F-B56E-9BAD559744E9}" type="datetime1">
               <a:rPr lang="uk-UA" smtClean="0"/>
               <a:pPr/>
-              <a:t>23.02.2021</a:t>
+              <a:t>01.03.2021</a:t>
             </a:fld>
             <a:endParaRPr lang="uk-UA"/>
           </a:p>
@@ -1607,7 +1623,7 @@
             <a:fld id="{2CEB0FC9-DE63-476B-A1A9-BE934D9049F8}" type="datetime1">
               <a:rPr lang="uk-UA" smtClean="0"/>
               <a:pPr/>
-              <a:t>23.02.2021</a:t>
+              <a:t>01.03.2021</a:t>
             </a:fld>
             <a:endParaRPr lang="uk-UA"/>
           </a:p>
@@ -1892,7 +1908,7 @@
             <a:fld id="{F964460F-86E2-4DF6-9D0F-12F5005CF375}" type="datetime1">
               <a:rPr lang="uk-UA" smtClean="0"/>
               <a:pPr/>
-              <a:t>23.02.2021</a:t>
+              <a:t>01.03.2021</a:t>
             </a:fld>
             <a:endParaRPr lang="uk-UA"/>
           </a:p>
@@ -2311,7 +2327,7 @@
             <a:fld id="{C521715E-DDCD-4267-B0A5-2918B6F6768A}" type="datetime1">
               <a:rPr lang="uk-UA" smtClean="0"/>
               <a:pPr/>
-              <a:t>23.02.2021</a:t>
+              <a:t>01.03.2021</a:t>
             </a:fld>
             <a:endParaRPr lang="uk-UA"/>
           </a:p>
@@ -2426,7 +2442,7 @@
             <a:fld id="{9289842C-EB2D-4EBB-A272-2F6A49D9794D}" type="datetime1">
               <a:rPr lang="uk-UA" smtClean="0"/>
               <a:pPr/>
-              <a:t>23.02.2021</a:t>
+              <a:t>01.03.2021</a:t>
             </a:fld>
             <a:endParaRPr lang="uk-UA"/>
           </a:p>
@@ -2518,7 +2534,7 @@
             <a:fld id="{D036F091-B700-4B52-99AC-85D0FD94D904}" type="datetime1">
               <a:rPr lang="uk-UA" smtClean="0"/>
               <a:pPr/>
-              <a:t>23.02.2021</a:t>
+              <a:t>01.03.2021</a:t>
             </a:fld>
             <a:endParaRPr lang="uk-UA"/>
           </a:p>
@@ -2792,7 +2808,7 @@
             <a:fld id="{B35DFABA-3811-4634-B803-2EAC4CD0063B}" type="datetime1">
               <a:rPr lang="uk-UA" smtClean="0"/>
               <a:pPr/>
-              <a:t>23.02.2021</a:t>
+              <a:t>01.03.2021</a:t>
             </a:fld>
             <a:endParaRPr lang="uk-UA"/>
           </a:p>
@@ -3042,7 +3058,7 @@
             <a:fld id="{8A9EA25E-F88E-463A-A119-D1E55A881002}" type="datetime1">
               <a:rPr lang="uk-UA" smtClean="0"/>
               <a:pPr/>
-              <a:t>23.02.2021</a:t>
+              <a:t>01.03.2021</a:t>
             </a:fld>
             <a:endParaRPr lang="uk-UA"/>
           </a:p>
@@ -3252,7 +3268,7 @@
             <a:fld id="{E708ED03-0080-49A2-B709-7DA4ACB3A1C3}" type="datetime1">
               <a:rPr lang="uk-UA" smtClean="0"/>
               <a:pPr/>
-              <a:t>23.02.2021</a:t>
+              <a:t>01.03.2021</a:t>
             </a:fld>
             <a:endParaRPr lang="uk-UA"/>
           </a:p>
@@ -9518,8 +9534,8 @@
         </p:nvSpPr>
         <p:spPr>
           <a:xfrm>
-            <a:off x="1127448" y="1772816"/>
-            <a:ext cx="9721080" cy="3539430"/>
+            <a:off x="1127448" y="2170599"/>
+            <a:ext cx="9721080" cy="2554545"/>
           </a:xfrm>
           <a:prstGeom prst="rect">
             <a:avLst/>
@@ -9626,35 +9642,6 @@
             <a:r>
               <a:rPr lang="ru-RU" sz="3200" dirty="0"/>
               <a:t>;</a:t>
-            </a:r>
-          </a:p>
-          <a:p>
-            <a:pPr marL="514350" indent="-514350">
-              <a:buAutoNum type="arabicPeriod"/>
-            </a:pPr>
-            <a:endParaRPr lang="en-US" sz="3200" dirty="0"/>
-          </a:p>
-          <a:p>
-            <a:pPr marL="514350" indent="-514350">
-              <a:buAutoNum type="arabicPeriod"/>
-            </a:pPr>
-            <a:r>
-              <a:rPr lang="ru-RU" sz="3200" dirty="0"/>
-              <a:t>Объекты типа </a:t>
-            </a:r>
-            <a:r>
-              <a:rPr lang="en-US" sz="3200" b="1" dirty="0">
-                <a:solidFill>
-                  <a:schemeClr val="accent6">
-                    <a:lumMod val="75000"/>
-                  </a:schemeClr>
-                </a:solidFill>
-              </a:rPr>
-              <a:t>Promise</a:t>
-            </a:r>
-            <a:r>
-              <a:rPr lang="ru-RU" sz="3200" dirty="0"/>
-              <a:t>.</a:t>
             </a:r>
           </a:p>
         </p:txBody>
